--- a/BAEHackathon2019.pptx
+++ b/BAEHackathon2019.pptx
@@ -6854,7 +6854,7 @@
               </a14:hiddenLine>
             </a:ext>
             <a:ext uri="{FAA26D3D-D897-4be2-8F04-BA451C77F1D7}">
-              <ma14:placeholderFlag xmlns="" xmlns:ma14="http://schemas.microsoft.com/office/mac/drawingml/2011/main" val="1"/>
+              <ma14:placeholderFlag xmlns:ma14="http://schemas.microsoft.com/office/mac/drawingml/2011/main" xmlns="" val="1"/>
             </a:ext>
           </a:extLst>
         </p:spPr>
@@ -6915,7 +6915,7 @@
               </a14:hiddenLine>
             </a:ext>
             <a:ext uri="{FAA26D3D-D897-4be2-8F04-BA451C77F1D7}">
-              <ma14:placeholderFlag xmlns="" xmlns:ma14="http://schemas.microsoft.com/office/mac/drawingml/2011/main" val="1"/>
+              <ma14:placeholderFlag xmlns:ma14="http://schemas.microsoft.com/office/mac/drawingml/2011/main" xmlns="" val="1"/>
             </a:ext>
           </a:extLst>
         </p:spPr>
@@ -8004,22 +8004,15 @@
             <p:ph idx="1"/>
           </p:nvPr>
         </p:nvSpPr>
-        <p:spPr/>
+        <p:spPr>
+          <a:xfrm>
+            <a:off x="299780" y="1036322"/>
+            <a:ext cx="4976414" cy="4313444"/>
+          </a:xfrm>
+        </p:spPr>
         <p:txBody>
           <a:bodyPr/>
           <a:lstStyle/>
-          <a:p>
-            <a:pPr marL="0" indent="0" algn="ctr">
-              <a:buNone/>
-            </a:pPr>
-            <a:endParaRPr lang="en-US" sz="4000" b="1" i="1" dirty="0"/>
-          </a:p>
-          <a:p>
-            <a:pPr marL="0" indent="0" algn="ctr">
-              <a:buNone/>
-            </a:pPr>
-            <a:endParaRPr lang="en-US" sz="4000" b="1" i="1" dirty="0"/>
-          </a:p>
           <a:p>
             <a:pPr marL="0" indent="0" algn="ctr">
               <a:buNone/>
@@ -8055,6 +8048,36 @@
           </a:p>
         </p:txBody>
       </p:sp>
+      <p:pic>
+        <p:nvPicPr>
+          <p:cNvPr id="5" name="Picture 4">
+            <a:extLst>
+              <a:ext uri="{FF2B5EF4-FFF2-40B4-BE49-F238E27FC236}">
+                <a16:creationId xmlns:a16="http://schemas.microsoft.com/office/drawing/2014/main" id="{64FA58C0-BA24-7C44-8CFE-5DB7B5ED2C00}"/>
+              </a:ext>
+            </a:extLst>
+          </p:cNvPr>
+          <p:cNvPicPr>
+            <a:picLocks noChangeAspect="1"/>
+          </p:cNvPicPr>
+          <p:nvPr/>
+        </p:nvPicPr>
+        <p:blipFill>
+          <a:blip r:embed="rId2"/>
+          <a:stretch>
+            <a:fillRect/>
+          </a:stretch>
+        </p:blipFill>
+        <p:spPr>
+          <a:xfrm>
+            <a:off x="5002924" y="1234378"/>
+            <a:ext cx="7189076" cy="5419204"/>
+          </a:xfrm>
+          <a:prstGeom prst="rect">
+            <a:avLst/>
+          </a:prstGeom>
+        </p:spPr>
+      </p:pic>
     </p:spTree>
     <p:extLst>
       <p:ext uri="{BB962C8B-B14F-4D97-AF65-F5344CB8AC3E}">
